--- a/dokumentumok/Bemutato_diagram.pptx
+++ b/dokumentumok/Bemutato_diagram.pptx
@@ -109,6 +109,11 @@
       </a:defRPr>
     </a:lvl9pPr>
   </p:defaultTextStyle>
+  <p:extLst>
+    <p:ext uri="{EFAFB233-063F-42B5-8137-9DF3F51BA10A}">
+      <p15:sldGuideLst xmlns:p15="http://schemas.microsoft.com/office/powerpoint/2012/main"/>
+    </p:ext>
+  </p:extLst>
 </p:presentation>
 </file>
 
@@ -8522,6 +8527,14 @@
 <file path=ppt/slides/slide5.xml><?xml version="1.0" encoding="utf-8"?>
 <p:sld xmlns:a="http://schemas.openxmlformats.org/drawingml/2006/main" xmlns:r="http://schemas.openxmlformats.org/officeDocument/2006/relationships" xmlns:p="http://schemas.openxmlformats.org/presentationml/2006/main">
   <p:cSld>
+    <p:bg>
+      <p:bgPr>
+        <a:solidFill>
+          <a:schemeClr val="bg2"/>
+        </a:solidFill>
+        <a:effectLst/>
+      </p:bgPr>
+    </p:bg>
     <p:spTree>
       <p:nvGrpSpPr>
         <p:cNvPr id="1" name=""/>
@@ -8536,6 +8549,82 @@
           <a:chExt cx="0" cy="0"/>
         </a:xfrm>
       </p:grpSpPr>
+      <p:sp useBgFill="1">
+        <p:nvSpPr>
+          <p:cNvPr id="22" name="Rectangle 11">
+            <a:extLst>
+              <a:ext uri="{FF2B5EF4-FFF2-40B4-BE49-F238E27FC236}">
+                <a16:creationId xmlns:a16="http://schemas.microsoft.com/office/drawing/2014/main" id="{1AEB7F98-32EC-40D3-89EE-C8433023163A}"/>
+              </a:ext>
+              <a:ext uri="{C183D7F6-B498-43B3-948B-1728B52AA6E4}">
+                <adec:decorative xmlns:adec="http://schemas.microsoft.com/office/drawing/2017/decorative" val="1"/>
+              </a:ext>
+            </a:extLst>
+          </p:cNvPr>
+          <p:cNvSpPr>
+            <a:spLocks noGrp="1" noRot="1" noChangeAspect="1" noMove="1" noResize="1" noEditPoints="1" noAdjustHandles="1" noChangeArrowheads="1" noChangeShapeType="1" noTextEdit="1"/>
+          </p:cNvSpPr>
+          <p:nvPr>
+            <p:extLst>
+              <p:ext uri="{386F3935-93C4-4BCD-93E2-E3B085C9AB24}">
+                <p16:designElem xmlns:p16="http://schemas.microsoft.com/office/powerpoint/2015/main" val="1"/>
+              </p:ext>
+            </p:extLst>
+          </p:nvPr>
+        </p:nvSpPr>
+        <p:spPr>
+          <a:xfrm>
+            <a:off x="0" y="0"/>
+            <a:ext cx="12192000" cy="6858000"/>
+          </a:xfrm>
+          <a:prstGeom prst="rect">
+            <a:avLst/>
+          </a:prstGeom>
+          <a:ln w="12700" cap="flat" cmpd="sng" algn="ctr">
+            <a:noFill/>
+            <a:prstDash val="solid"/>
+            <a:miter lim="800000"/>
+          </a:ln>
+          <a:effectLst/>
+          <a:extLst>
+            <a:ext uri="{91240B29-F687-4F45-9708-019B960494DF}">
+              <a14:hiddenLine xmlns:a14="http://schemas.microsoft.com/office/drawing/2010/main" w="12700" cap="flat" cmpd="sng" algn="ctr">
+                <a:solidFill>
+                  <a:schemeClr val="accent1">
+                    <a:shade val="50000"/>
+                  </a:schemeClr>
+                </a:solidFill>
+                <a:prstDash val="solid"/>
+                <a:miter lim="800000"/>
+              </a14:hiddenLine>
+            </a:ext>
+          </a:extLst>
+        </p:spPr>
+        <p:style>
+          <a:lnRef idx="2">
+            <a:schemeClr val="accent1">
+              <a:shade val="50000"/>
+            </a:schemeClr>
+          </a:lnRef>
+          <a:fillRef idx="1">
+            <a:schemeClr val="accent1"/>
+          </a:fillRef>
+          <a:effectRef idx="0">
+            <a:schemeClr val="accent1"/>
+          </a:effectRef>
+          <a:fontRef idx="minor">
+            <a:schemeClr val="lt1"/>
+          </a:fontRef>
+        </p:style>
+        <p:txBody>
+          <a:bodyPr rtlCol="0" anchor="ctr"/>
+          <a:lstStyle/>
+          <a:p>
+            <a:pPr algn="ctr"/>
+            <a:endParaRPr lang="en-US"/>
+          </a:p>
+        </p:txBody>
+      </p:sp>
       <p:sp>
         <p:nvSpPr>
           <p:cNvPr id="2" name="Cím 1">
@@ -8552,55 +8641,212 @@
             <p:ph type="title"/>
           </p:nvPr>
         </p:nvSpPr>
-        <p:spPr/>
+        <p:spPr>
+          <a:xfrm>
+            <a:off x="540988" y="540033"/>
+            <a:ext cx="3884962" cy="1331604"/>
+          </a:xfrm>
+        </p:spPr>
         <p:txBody>
-          <a:bodyPr/>
+          <a:bodyPr anchor="b">
+            <a:normAutofit/>
+          </a:bodyPr>
           <a:lstStyle/>
           <a:p>
+            <a:pPr algn="ctr"/>
             <a:r>
-              <a:rPr lang="hu-HU" dirty="0" err="1"/>
-              <a:t>Package</a:t>
+              <a:rPr lang="hu-HU"/>
+              <a:t>Package Diagram</a:t>
             </a:r>
-            <a:r>
-              <a:rPr lang="hu-HU" dirty="0"/>
-              <a:t> Diagram</a:t>
-            </a:r>
+          </a:p>
+        </p:txBody>
+      </p:sp>
+      <p:cxnSp>
+        <p:nvCxnSpPr>
+          <p:cNvPr id="23" name="Straight Connector 13">
+            <a:extLst>
+              <a:ext uri="{FF2B5EF4-FFF2-40B4-BE49-F238E27FC236}">
+                <a16:creationId xmlns:a16="http://schemas.microsoft.com/office/drawing/2014/main" id="{77C6DF49-CBE3-4038-AC78-35DE4FD7CE8E}"/>
+              </a:ext>
+              <a:ext uri="{C183D7F6-B498-43B3-948B-1728B52AA6E4}">
+                <adec:decorative xmlns:adec="http://schemas.microsoft.com/office/drawing/2017/decorative" val="1"/>
+              </a:ext>
+            </a:extLst>
+          </p:cNvPr>
+          <p:cNvCxnSpPr>
+            <a:cxnSpLocks noGrp="1" noRot="1" noChangeAspect="1" noMove="1" noResize="1" noEditPoints="1" noAdjustHandles="1" noChangeArrowheads="1" noChangeShapeType="1"/>
+          </p:cNvCxnSpPr>
+          <p:nvPr>
+            <p:extLst>
+              <p:ext uri="{386F3935-93C4-4BCD-93E2-E3B085C9AB24}">
+                <p16:designElem xmlns:p16="http://schemas.microsoft.com/office/powerpoint/2015/main" val="1"/>
+              </p:ext>
+            </p:extLst>
+          </p:nvPr>
+        </p:nvCxnSpPr>
+        <p:spPr>
+          <a:xfrm>
+            <a:off x="2213469" y="2310207"/>
+            <a:ext cx="540000" cy="0"/>
+          </a:xfrm>
+          <a:prstGeom prst="line">
+            <a:avLst/>
+          </a:prstGeom>
+          <a:ln w="12700">
+            <a:solidFill>
+              <a:schemeClr val="tx1"/>
+            </a:solidFill>
+          </a:ln>
+        </p:spPr>
+        <p:style>
+          <a:lnRef idx="1">
+            <a:schemeClr val="accent1"/>
+          </a:lnRef>
+          <a:fillRef idx="0">
+            <a:schemeClr val="accent1"/>
+          </a:fillRef>
+          <a:effectRef idx="0">
+            <a:schemeClr val="accent1"/>
+          </a:effectRef>
+          <a:fontRef idx="minor">
+            <a:schemeClr val="tx1"/>
+          </a:fontRef>
+        </p:style>
+      </p:cxnSp>
+      <p:sp>
+        <p:nvSpPr>
+          <p:cNvPr id="4" name="Tartalom helye 3">
+            <a:extLst>
+              <a:ext uri="{FF2B5EF4-FFF2-40B4-BE49-F238E27FC236}">
+                <a16:creationId xmlns:a16="http://schemas.microsoft.com/office/drawing/2014/main" id="{9615FFE1-17E6-463F-9289-BCD845BD0604}"/>
+              </a:ext>
+            </a:extLst>
+          </p:cNvPr>
+          <p:cNvSpPr>
+            <a:spLocks noGrp="1"/>
+          </p:cNvSpPr>
+          <p:nvPr>
+            <p:ph idx="1"/>
+          </p:nvPr>
+        </p:nvSpPr>
+        <p:spPr>
+          <a:xfrm>
+            <a:off x="540988" y="2759076"/>
+            <a:ext cx="3884962" cy="3009899"/>
+          </a:xfrm>
+        </p:spPr>
+        <p:txBody>
+          <a:bodyPr>
+            <a:normAutofit/>
+          </a:bodyPr>
+          <a:lstStyle/>
+          <a:p>
+            <a:endParaRPr lang="hu-HU"/>
+          </a:p>
+        </p:txBody>
+      </p:sp>
+      <p:sp>
+        <p:nvSpPr>
+          <p:cNvPr id="24" name="Rectangle 15">
+            <a:extLst>
+              <a:ext uri="{FF2B5EF4-FFF2-40B4-BE49-F238E27FC236}">
+                <a16:creationId xmlns:a16="http://schemas.microsoft.com/office/drawing/2014/main" id="{DAD9000E-708C-464D-A86F-4ABE391B6BE8}"/>
+              </a:ext>
+              <a:ext uri="{C183D7F6-B498-43B3-948B-1728B52AA6E4}">
+                <adec:decorative xmlns:adec="http://schemas.microsoft.com/office/drawing/2017/decorative" val="1"/>
+              </a:ext>
+            </a:extLst>
+          </p:cNvPr>
+          <p:cNvSpPr>
+            <a:spLocks noGrp="1" noRot="1" noChangeAspect="1" noMove="1" noResize="1" noEditPoints="1" noAdjustHandles="1" noChangeArrowheads="1" noChangeShapeType="1" noTextEdit="1"/>
+          </p:cNvSpPr>
+          <p:nvPr>
+            <p:extLst>
+              <p:ext uri="{386F3935-93C4-4BCD-93E2-E3B085C9AB24}">
+                <p16:designElem xmlns:p16="http://schemas.microsoft.com/office/powerpoint/2015/main" val="1"/>
+              </p:ext>
+            </p:extLst>
+          </p:nvPr>
+        </p:nvSpPr>
+        <p:spPr>
+          <a:xfrm>
+            <a:off x="4986337" y="0"/>
+            <a:ext cx="7205663" cy="6858000"/>
+          </a:xfrm>
+          <a:prstGeom prst="rect">
+            <a:avLst/>
+          </a:prstGeom>
+          <a:solidFill>
+            <a:schemeClr val="bg1">
+              <a:alpha val="20000"/>
+            </a:schemeClr>
+          </a:solidFill>
+          <a:ln w="12700" cap="flat" cmpd="sng" algn="ctr">
+            <a:noFill/>
+            <a:prstDash val="solid"/>
+            <a:miter lim="800000"/>
+          </a:ln>
+          <a:effectLst/>
+        </p:spPr>
+        <p:style>
+          <a:lnRef idx="2">
+            <a:schemeClr val="accent1">
+              <a:shade val="50000"/>
+            </a:schemeClr>
+          </a:lnRef>
+          <a:fillRef idx="1">
+            <a:schemeClr val="accent1"/>
+          </a:fillRef>
+          <a:effectRef idx="0">
+            <a:schemeClr val="accent1"/>
+          </a:effectRef>
+          <a:fontRef idx="minor">
+            <a:schemeClr val="lt1"/>
+          </a:fontRef>
+        </p:style>
+        <p:txBody>
+          <a:bodyPr rtlCol="0" anchor="ctr"/>
+          <a:lstStyle/>
+          <a:p>
+            <a:pPr algn="ctr"/>
+            <a:endParaRPr lang="en-US">
+              <a:solidFill>
+                <a:schemeClr val="bg1">
+                  <a:alpha val="20000"/>
+                </a:schemeClr>
+              </a:solidFill>
+            </a:endParaRPr>
           </a:p>
         </p:txBody>
       </p:sp>
       <p:pic>
         <p:nvPicPr>
-          <p:cNvPr id="5" name="Tartalom helye 4">
-            <a:extLst>
-              <a:ext uri="{FF2B5EF4-FFF2-40B4-BE49-F238E27FC236}">
-                <a16:creationId xmlns:a16="http://schemas.microsoft.com/office/drawing/2014/main" id="{3C9A6D20-2322-46A7-90D9-1164B23B8629}"/>
+          <p:cNvPr id="7" name="Kép 6">
+            <a:extLst>
+              <a:ext uri="{FF2B5EF4-FFF2-40B4-BE49-F238E27FC236}">
+                <a16:creationId xmlns:a16="http://schemas.microsoft.com/office/drawing/2014/main" id="{FFD1AF81-C674-4E11-A7B4-8C1B17C33AF1}"/>
               </a:ext>
             </a:extLst>
           </p:cNvPr>
           <p:cNvPicPr>
-            <a:picLocks noGrp="1" noChangeAspect="1"/>
+            <a:picLocks noChangeAspect="1"/>
           </p:cNvPicPr>
-          <p:nvPr>
-            <p:ph idx="1"/>
-          </p:nvPr>
+          <p:nvPr/>
         </p:nvPicPr>
         <p:blipFill>
-          <a:blip r:embed="rId2">
-            <a:extLst>
-              <a:ext uri="{28A0092B-C50C-407E-A947-70E740481C1C}">
-                <a14:useLocalDpi xmlns:a14="http://schemas.microsoft.com/office/drawing/2010/main" val="0"/>
-              </a:ext>
-            </a:extLst>
-          </a:blip>
+          <a:blip r:embed="rId2"/>
           <a:stretch>
             <a:fillRect/>
           </a:stretch>
         </p:blipFill>
         <p:spPr>
           <a:xfrm>
-            <a:off x="2636915" y="1666875"/>
-            <a:ext cx="6911820" cy="3978275"/>
-          </a:xfrm>
+            <a:off x="5537200" y="1203773"/>
+            <a:ext cx="6113812" cy="4447798"/>
+          </a:xfrm>
+          <a:prstGeom prst="rect">
+            <a:avLst/>
+          </a:prstGeom>
         </p:spPr>
       </p:pic>
     </p:spTree>
